--- a/Pig and Hive.pptx
+++ b/Pig and Hive.pptx
@@ -25,17 +25,18 @@
     <p:sldId id="270" r:id="rId19"/>
     <p:sldId id="272" r:id="rId20"/>
     <p:sldId id="273" r:id="rId21"/>
-    <p:sldId id="274" r:id="rId22"/>
-    <p:sldId id="275" r:id="rId23"/>
-    <p:sldId id="276" r:id="rId24"/>
-    <p:sldId id="277" r:id="rId25"/>
-    <p:sldId id="278" r:id="rId26"/>
-    <p:sldId id="279" r:id="rId27"/>
-    <p:sldId id="286" r:id="rId28"/>
-    <p:sldId id="285" r:id="rId29"/>
-    <p:sldId id="284" r:id="rId30"/>
-    <p:sldId id="287" r:id="rId31"/>
-    <p:sldId id="280" r:id="rId32"/>
+    <p:sldId id="288" r:id="rId22"/>
+    <p:sldId id="274" r:id="rId23"/>
+    <p:sldId id="275" r:id="rId24"/>
+    <p:sldId id="276" r:id="rId25"/>
+    <p:sldId id="277" r:id="rId26"/>
+    <p:sldId id="278" r:id="rId27"/>
+    <p:sldId id="279" r:id="rId28"/>
+    <p:sldId id="286" r:id="rId29"/>
+    <p:sldId id="285" r:id="rId30"/>
+    <p:sldId id="284" r:id="rId31"/>
+    <p:sldId id="287" r:id="rId32"/>
+    <p:sldId id="280" r:id="rId33"/>
   </p:sldIdLst>
   <p:sldSz cx="12192000" cy="6858000"/>
   <p:notesSz cx="6858000" cy="9144000"/>
@@ -7933,6 +7934,13 @@
   <p:clrMapOvr>
     <a:masterClrMapping/>
   </p:clrMapOvr>
+  <p:timing>
+    <p:tnLst>
+      <p:par>
+        <p:cTn id="1" dur="indefinite" restart="never" nodeType="tmRoot"/>
+      </p:par>
+    </p:tnLst>
+  </p:timing>
 </p:sld>
 </file>
 
@@ -8075,6 +8083,13 @@
   <p:clrMapOvr>
     <a:masterClrMapping/>
   </p:clrMapOvr>
+  <p:timing>
+    <p:tnLst>
+      <p:par>
+        <p:cTn id="1" dur="indefinite" restart="never" nodeType="tmRoot"/>
+      </p:par>
+    </p:tnLst>
+  </p:timing>
 </p:sld>
 </file>
 
@@ -8210,6 +8225,13 @@
   <p:clrMapOvr>
     <a:masterClrMapping/>
   </p:clrMapOvr>
+  <p:timing>
+    <p:tnLst>
+      <p:par>
+        <p:cTn id="1" dur="indefinite" restart="never" nodeType="tmRoot"/>
+      </p:par>
+    </p:tnLst>
+  </p:timing>
 </p:sld>
 </file>
 
@@ -8367,6 +8389,13 @@
   <p:clrMapOvr>
     <a:masterClrMapping/>
   </p:clrMapOvr>
+  <p:timing>
+    <p:tnLst>
+      <p:par>
+        <p:cTn id="1" dur="indefinite" restart="never" nodeType="tmRoot"/>
+      </p:par>
+    </p:tnLst>
+  </p:timing>
 </p:sld>
 </file>
 
@@ -8540,6 +8569,13 @@
   <p:clrMapOvr>
     <a:masterClrMapping/>
   </p:clrMapOvr>
+  <p:timing>
+    <p:tnLst>
+      <p:par>
+        <p:cTn id="1" dur="indefinite" restart="never" nodeType="tmRoot"/>
+      </p:par>
+    </p:tnLst>
+  </p:timing>
 </p:sld>
 </file>
 
@@ -8658,6 +8694,13 @@
   <p:clrMapOvr>
     <a:masterClrMapping/>
   </p:clrMapOvr>
+  <p:timing>
+    <p:tnLst>
+      <p:par>
+        <p:cTn id="1" dur="indefinite" restart="never" nodeType="tmRoot"/>
+      </p:par>
+    </p:tnLst>
+  </p:timing>
 </p:sld>
 </file>
 
@@ -8782,6 +8825,13 @@
   <p:clrMapOvr>
     <a:masterClrMapping/>
   </p:clrMapOvr>
+  <p:timing>
+    <p:tnLst>
+      <p:par>
+        <p:cTn id="1" dur="indefinite" restart="never" nodeType="tmRoot"/>
+      </p:par>
+    </p:tnLst>
+  </p:timing>
 </p:sld>
 </file>
 
@@ -8911,6 +8961,13 @@
   <p:clrMapOvr>
     <a:masterClrMapping/>
   </p:clrMapOvr>
+  <p:timing>
+    <p:tnLst>
+      <p:par>
+        <p:cTn id="1" dur="indefinite" restart="never" nodeType="tmRoot"/>
+      </p:par>
+    </p:tnLst>
+  </p:timing>
 </p:sld>
 </file>
 
@@ -9089,6 +9146,13 @@
   <p:clrMapOvr>
     <a:masterClrMapping/>
   </p:clrMapOvr>
+  <p:timing>
+    <p:tnLst>
+      <p:par>
+        <p:cTn id="1" dur="indefinite" restart="never" nodeType="tmRoot"/>
+      </p:par>
+    </p:tnLst>
+  </p:timing>
 </p:sld>
 </file>
 
@@ -9230,6 +9294,13 @@
   <p:clrMapOvr>
     <a:masterClrMapping/>
   </p:clrMapOvr>
+  <p:timing>
+    <p:tnLst>
+      <p:par>
+        <p:cTn id="1" dur="indefinite" restart="never" nodeType="tmRoot"/>
+      </p:par>
+    </p:tnLst>
+  </p:timing>
 </p:sld>
 </file>
 
@@ -9339,6 +9410,13 @@
   <p:clrMapOvr>
     <a:masterClrMapping/>
   </p:clrMapOvr>
+  <p:timing>
+    <p:tnLst>
+      <p:par>
+        <p:cTn id="1" dur="indefinite" restart="never" nodeType="tmRoot"/>
+      </p:par>
+    </p:tnLst>
+  </p:timing>
 </p:sld>
 </file>
 
@@ -9473,6 +9551,13 @@
   <p:clrMapOvr>
     <a:masterClrMapping/>
   </p:clrMapOvr>
+  <p:timing>
+    <p:tnLst>
+      <p:par>
+        <p:cTn id="1" dur="indefinite" restart="never" nodeType="tmRoot"/>
+      </p:par>
+    </p:tnLst>
+  </p:timing>
 </p:sld>
 </file>
 
@@ -9566,10 +9651,503 @@
   <p:clrMapOvr>
     <a:masterClrMapping/>
   </p:clrMapOvr>
+  <p:timing>
+    <p:tnLst>
+      <p:par>
+        <p:cTn id="1" dur="indefinite" restart="never" nodeType="tmRoot"/>
+      </p:par>
+    </p:tnLst>
+  </p:timing>
 </p:sld>
 </file>
 
 <file path=ppt/slides/slide21.xml><?xml version="1.0" encoding="utf-8"?>
+<p:sld xmlns:a="http://schemas.openxmlformats.org/drawingml/2006/main" xmlns:r="http://schemas.openxmlformats.org/officeDocument/2006/relationships" xmlns:p="http://schemas.openxmlformats.org/presentationml/2006/main">
+  <p:cSld>
+    <p:spTree>
+      <p:nvGrpSpPr>
+        <p:cNvPr id="1" name=""/>
+        <p:cNvGrpSpPr/>
+        <p:nvPr/>
+      </p:nvGrpSpPr>
+      <p:grpSpPr>
+        <a:xfrm>
+          <a:off x="0" y="0"/>
+          <a:ext cx="0" cy="0"/>
+          <a:chOff x="0" y="0"/>
+          <a:chExt cx="0" cy="0"/>
+        </a:xfrm>
+      </p:grpSpPr>
+      <p:sp>
+        <p:nvSpPr>
+          <p:cNvPr id="2" name="Title 1"/>
+          <p:cNvSpPr>
+            <a:spLocks noGrp="1"/>
+          </p:cNvSpPr>
+          <p:nvPr>
+            <p:ph type="title"/>
+          </p:nvPr>
+        </p:nvSpPr>
+        <p:spPr/>
+        <p:txBody>
+          <a:bodyPr/>
+          <a:lstStyle/>
+          <a:p>
+            <a:r>
+              <a:rPr lang="en-US" dirty="0" smtClean="0"/>
+              <a:t>Pig                      vs                Hive</a:t>
+            </a:r>
+            <a:endParaRPr lang="en-US" dirty="0"/>
+          </a:p>
+        </p:txBody>
+      </p:sp>
+      <p:sp>
+        <p:nvSpPr>
+          <p:cNvPr id="3" name="Content Placeholder 2"/>
+          <p:cNvSpPr>
+            <a:spLocks noGrp="1"/>
+          </p:cNvSpPr>
+          <p:nvPr>
+            <p:ph idx="1"/>
+          </p:nvPr>
+        </p:nvSpPr>
+        <p:spPr>
+          <a:xfrm>
+            <a:off x="1378596" y="1544391"/>
+            <a:ext cx="3811589" cy="3777622"/>
+          </a:xfrm>
+        </p:spPr>
+        <p:txBody>
+          <a:bodyPr>
+            <a:normAutofit fontScale="92500" lnSpcReduction="10000"/>
+          </a:bodyPr>
+          <a:lstStyle/>
+          <a:p>
+            <a:pPr marL="0" indent="0">
+              <a:buNone/>
+            </a:pPr>
+            <a:r>
+              <a:rPr lang="en-US" dirty="0" smtClean="0"/>
+              <a:t>	Has a protocol data flow</a:t>
+            </a:r>
+          </a:p>
+          <a:p>
+            <a:pPr marL="0" indent="0">
+              <a:buNone/>
+            </a:pPr>
+            <a:r>
+              <a:rPr lang="en-US" dirty="0"/>
+              <a:t>	</a:t>
+            </a:r>
+            <a:r>
+              <a:rPr lang="en-US" dirty="0" smtClean="0"/>
+              <a:t> language called pig Latin</a:t>
+            </a:r>
+          </a:p>
+          <a:p>
+            <a:pPr marL="0" indent="0">
+              <a:buNone/>
+            </a:pPr>
+            <a:endParaRPr lang="en-US" dirty="0"/>
+          </a:p>
+          <a:p>
+            <a:pPr marL="0" indent="0">
+              <a:buNone/>
+            </a:pPr>
+            <a:r>
+              <a:rPr lang="en-US" dirty="0" smtClean="0"/>
+              <a:t>	Mainly used for 	programming</a:t>
+            </a:r>
+          </a:p>
+          <a:p>
+            <a:pPr marL="0" indent="0">
+              <a:buNone/>
+            </a:pPr>
+            <a:endParaRPr lang="en-US" dirty="0"/>
+          </a:p>
+          <a:p>
+            <a:pPr marL="0" indent="0">
+              <a:buNone/>
+            </a:pPr>
+            <a:r>
+              <a:rPr lang="en-US" dirty="0" smtClean="0"/>
+              <a:t>	Generally used by 	researchers and programmers </a:t>
+            </a:r>
+          </a:p>
+          <a:p>
+            <a:pPr marL="0" indent="0">
+              <a:buNone/>
+            </a:pPr>
+            <a:endParaRPr lang="en-US" dirty="0"/>
+          </a:p>
+          <a:p>
+            <a:pPr marL="0" indent="0">
+              <a:buNone/>
+            </a:pPr>
+            <a:r>
+              <a:rPr lang="en-US" dirty="0" smtClean="0"/>
+              <a:t>	</a:t>
+            </a:r>
+            <a:r>
+              <a:rPr lang="en-US" smtClean="0"/>
+              <a:t>pig SQL-Like </a:t>
+            </a:r>
+            <a:r>
+              <a:rPr lang="en-US" dirty="0" smtClean="0"/>
+              <a:t>takes time to get 	expert </a:t>
+            </a:r>
+            <a:endParaRPr lang="en-US" dirty="0"/>
+          </a:p>
+        </p:txBody>
+      </p:sp>
+      <p:sp>
+        <p:nvSpPr>
+          <p:cNvPr id="4" name="Content Placeholder 2"/>
+          <p:cNvSpPr txBox="1">
+            <a:spLocks/>
+          </p:cNvSpPr>
+          <p:nvPr/>
+        </p:nvSpPr>
+        <p:spPr>
+          <a:xfrm>
+            <a:off x="6978765" y="1593759"/>
+            <a:ext cx="3530396" cy="3635064"/>
+          </a:xfrm>
+          <a:prstGeom prst="rect">
+            <a:avLst/>
+          </a:prstGeom>
+        </p:spPr>
+        <p:txBody>
+          <a:bodyPr vert="horz" lIns="91440" tIns="45720" rIns="91440" bIns="45720" rtlCol="0">
+            <a:normAutofit/>
+          </a:bodyPr>
+          <a:lstStyle>
+            <a:lvl1pPr marL="342900" indent="-342900" algn="l" defTabSz="457200" rtl="0" eaLnBrk="1" latinLnBrk="0" hangingPunct="1">
+              <a:spcBef>
+                <a:spcPts val="1000"/>
+              </a:spcBef>
+              <a:spcAft>
+                <a:spcPts val="0"/>
+              </a:spcAft>
+              <a:buClr>
+                <a:schemeClr val="accent1"/>
+              </a:buClr>
+              <a:buFont typeface="Wingdings 3" charset="2"/>
+              <a:buChar char=""/>
+              <a:defRPr sz="1800" kern="1200">
+                <a:solidFill>
+                  <a:schemeClr val="tx1">
+                    <a:lumMod val="75000"/>
+                    <a:lumOff val="25000"/>
+                  </a:schemeClr>
+                </a:solidFill>
+                <a:latin typeface="+mn-lt"/>
+                <a:ea typeface="+mn-ea"/>
+                <a:cs typeface="+mn-cs"/>
+              </a:defRPr>
+            </a:lvl1pPr>
+            <a:lvl2pPr marL="742950" indent="-285750" algn="l" defTabSz="457200" rtl="0" eaLnBrk="1" latinLnBrk="0" hangingPunct="1">
+              <a:spcBef>
+                <a:spcPts val="1000"/>
+              </a:spcBef>
+              <a:spcAft>
+                <a:spcPts val="0"/>
+              </a:spcAft>
+              <a:buClr>
+                <a:schemeClr val="accent1"/>
+              </a:buClr>
+              <a:buFont typeface="Wingdings 3" charset="2"/>
+              <a:buChar char=""/>
+              <a:defRPr sz="1600" kern="1200">
+                <a:solidFill>
+                  <a:schemeClr val="tx1">
+                    <a:lumMod val="75000"/>
+                    <a:lumOff val="25000"/>
+                  </a:schemeClr>
+                </a:solidFill>
+                <a:latin typeface="+mn-lt"/>
+                <a:ea typeface="+mn-ea"/>
+                <a:cs typeface="+mn-cs"/>
+              </a:defRPr>
+            </a:lvl2pPr>
+            <a:lvl3pPr marL="1143000" indent="-228600" algn="l" defTabSz="457200" rtl="0" eaLnBrk="1" latinLnBrk="0" hangingPunct="1">
+              <a:spcBef>
+                <a:spcPts val="1000"/>
+              </a:spcBef>
+              <a:spcAft>
+                <a:spcPts val="0"/>
+              </a:spcAft>
+              <a:buClr>
+                <a:schemeClr val="accent1"/>
+              </a:buClr>
+              <a:buFont typeface="Wingdings 3" charset="2"/>
+              <a:buChar char=""/>
+              <a:defRPr sz="1400" kern="1200">
+                <a:solidFill>
+                  <a:schemeClr val="tx1">
+                    <a:lumMod val="75000"/>
+                    <a:lumOff val="25000"/>
+                  </a:schemeClr>
+                </a:solidFill>
+                <a:latin typeface="+mn-lt"/>
+                <a:ea typeface="+mn-ea"/>
+                <a:cs typeface="+mn-cs"/>
+              </a:defRPr>
+            </a:lvl3pPr>
+            <a:lvl4pPr marL="1600200" indent="-228600" algn="l" defTabSz="457200" rtl="0" eaLnBrk="1" latinLnBrk="0" hangingPunct="1">
+              <a:spcBef>
+                <a:spcPts val="1000"/>
+              </a:spcBef>
+              <a:spcAft>
+                <a:spcPts val="0"/>
+              </a:spcAft>
+              <a:buClr>
+                <a:schemeClr val="accent1"/>
+              </a:buClr>
+              <a:buFont typeface="Wingdings 3" charset="2"/>
+              <a:buChar char=""/>
+              <a:defRPr sz="1200" kern="1200">
+                <a:solidFill>
+                  <a:schemeClr val="tx1">
+                    <a:lumMod val="75000"/>
+                    <a:lumOff val="25000"/>
+                  </a:schemeClr>
+                </a:solidFill>
+                <a:latin typeface="+mn-lt"/>
+                <a:ea typeface="+mn-ea"/>
+                <a:cs typeface="+mn-cs"/>
+              </a:defRPr>
+            </a:lvl4pPr>
+            <a:lvl5pPr marL="2057400" indent="-228600" algn="l" defTabSz="457200" rtl="0" eaLnBrk="1" latinLnBrk="0" hangingPunct="1">
+              <a:spcBef>
+                <a:spcPts val="1000"/>
+              </a:spcBef>
+              <a:spcAft>
+                <a:spcPts val="0"/>
+              </a:spcAft>
+              <a:buClr>
+                <a:schemeClr val="accent1"/>
+              </a:buClr>
+              <a:buFont typeface="Wingdings 3" charset="2"/>
+              <a:buChar char=""/>
+              <a:defRPr sz="1200" kern="1200">
+                <a:solidFill>
+                  <a:schemeClr val="tx1">
+                    <a:lumMod val="75000"/>
+                    <a:lumOff val="25000"/>
+                  </a:schemeClr>
+                </a:solidFill>
+                <a:latin typeface="+mn-lt"/>
+                <a:ea typeface="+mn-ea"/>
+                <a:cs typeface="+mn-cs"/>
+              </a:defRPr>
+            </a:lvl5pPr>
+            <a:lvl6pPr marL="2514600" indent="-228600" algn="l" defTabSz="457200" rtl="0" eaLnBrk="1" latinLnBrk="0" hangingPunct="1">
+              <a:spcBef>
+                <a:spcPts val="1000"/>
+              </a:spcBef>
+              <a:spcAft>
+                <a:spcPts val="0"/>
+              </a:spcAft>
+              <a:buClr>
+                <a:schemeClr val="accent1"/>
+              </a:buClr>
+              <a:buFont typeface="Wingdings 3" charset="2"/>
+              <a:buChar char=""/>
+              <a:defRPr sz="1200" kern="1200">
+                <a:solidFill>
+                  <a:schemeClr val="tx1">
+                    <a:lumMod val="75000"/>
+                    <a:lumOff val="25000"/>
+                  </a:schemeClr>
+                </a:solidFill>
+                <a:latin typeface="+mn-lt"/>
+                <a:ea typeface="+mn-ea"/>
+                <a:cs typeface="+mn-cs"/>
+              </a:defRPr>
+            </a:lvl6pPr>
+            <a:lvl7pPr marL="2971800" indent="-228600" algn="l" defTabSz="457200" rtl="0" eaLnBrk="1" latinLnBrk="0" hangingPunct="1">
+              <a:spcBef>
+                <a:spcPts val="1000"/>
+              </a:spcBef>
+              <a:spcAft>
+                <a:spcPts val="0"/>
+              </a:spcAft>
+              <a:buClr>
+                <a:schemeClr val="accent1"/>
+              </a:buClr>
+              <a:buFont typeface="Wingdings 3" charset="2"/>
+              <a:buChar char=""/>
+              <a:defRPr sz="1200" kern="1200">
+                <a:solidFill>
+                  <a:schemeClr val="tx1">
+                    <a:lumMod val="75000"/>
+                    <a:lumOff val="25000"/>
+                  </a:schemeClr>
+                </a:solidFill>
+                <a:latin typeface="+mn-lt"/>
+                <a:ea typeface="+mn-ea"/>
+                <a:cs typeface="+mn-cs"/>
+              </a:defRPr>
+            </a:lvl7pPr>
+            <a:lvl8pPr marL="3429000" indent="-228600" algn="l" defTabSz="457200" rtl="0" eaLnBrk="1" latinLnBrk="0" hangingPunct="1">
+              <a:spcBef>
+                <a:spcPts val="1000"/>
+              </a:spcBef>
+              <a:spcAft>
+                <a:spcPts val="0"/>
+              </a:spcAft>
+              <a:buClr>
+                <a:schemeClr val="accent1"/>
+              </a:buClr>
+              <a:buFont typeface="Wingdings 3" charset="2"/>
+              <a:buChar char=""/>
+              <a:defRPr sz="1200" kern="1200">
+                <a:solidFill>
+                  <a:schemeClr val="tx1">
+                    <a:lumMod val="75000"/>
+                    <a:lumOff val="25000"/>
+                  </a:schemeClr>
+                </a:solidFill>
+                <a:latin typeface="+mn-lt"/>
+                <a:ea typeface="+mn-ea"/>
+                <a:cs typeface="+mn-cs"/>
+              </a:defRPr>
+            </a:lvl8pPr>
+            <a:lvl9pPr marL="3886200" indent="-228600" algn="l" defTabSz="457200" rtl="0" eaLnBrk="1" latinLnBrk="0" hangingPunct="1">
+              <a:spcBef>
+                <a:spcPts val="1000"/>
+              </a:spcBef>
+              <a:spcAft>
+                <a:spcPts val="0"/>
+              </a:spcAft>
+              <a:buClr>
+                <a:schemeClr val="accent1"/>
+              </a:buClr>
+              <a:buFont typeface="Wingdings 3" charset="2"/>
+              <a:buChar char=""/>
+              <a:defRPr sz="1200" kern="1200">
+                <a:solidFill>
+                  <a:schemeClr val="tx1">
+                    <a:lumMod val="75000"/>
+                    <a:lumOff val="25000"/>
+                  </a:schemeClr>
+                </a:solidFill>
+                <a:latin typeface="+mn-lt"/>
+                <a:ea typeface="+mn-ea"/>
+                <a:cs typeface="+mn-cs"/>
+              </a:defRPr>
+            </a:lvl9pPr>
+          </a:lstStyle>
+          <a:p>
+            <a:pPr marL="0" indent="0">
+              <a:buFont typeface="Wingdings 3" charset="2"/>
+              <a:buNone/>
+            </a:pPr>
+            <a:r>
+              <a:rPr lang="en-US" sz="1700" dirty="0" smtClean="0"/>
+              <a:t>	Has a declarative </a:t>
+            </a:r>
+            <a:r>
+              <a:rPr lang="en-US" sz="1700" dirty="0" err="1" smtClean="0"/>
+              <a:t>SQLish</a:t>
+            </a:r>
+            <a:endParaRPr lang="en-US" sz="1700" dirty="0" smtClean="0"/>
+          </a:p>
+          <a:p>
+            <a:pPr marL="0" indent="0">
+              <a:buFont typeface="Wingdings 3" charset="2"/>
+              <a:buNone/>
+            </a:pPr>
+            <a:r>
+              <a:rPr lang="en-US" sz="1700" dirty="0" smtClean="0"/>
+              <a:t>	 language called </a:t>
+            </a:r>
+            <a:r>
+              <a:rPr lang="en-US" sz="1700" dirty="0" err="1" smtClean="0"/>
+              <a:t>HiveQL</a:t>
+            </a:r>
+            <a:endParaRPr lang="en-US" sz="1700" dirty="0" smtClean="0"/>
+          </a:p>
+          <a:p>
+            <a:pPr marL="0" indent="0">
+              <a:buFont typeface="Wingdings 3" charset="2"/>
+              <a:buNone/>
+            </a:pPr>
+            <a:endParaRPr lang="en-US" sz="1700" dirty="0"/>
+          </a:p>
+          <a:p>
+            <a:pPr marL="0" indent="0">
+              <a:buFont typeface="Wingdings 3" charset="2"/>
+              <a:buNone/>
+            </a:pPr>
+            <a:r>
+              <a:rPr lang="en-US" sz="1700" dirty="0" smtClean="0"/>
+              <a:t>	Mainly used for creating 	report </a:t>
+            </a:r>
+          </a:p>
+          <a:p>
+            <a:pPr marL="0" indent="0">
+              <a:buFont typeface="Wingdings 3" charset="2"/>
+              <a:buNone/>
+            </a:pPr>
+            <a:endParaRPr lang="en-US" sz="1700" dirty="0"/>
+          </a:p>
+          <a:p>
+            <a:pPr marL="0" indent="0">
+              <a:buFont typeface="Wingdings 3" charset="2"/>
+              <a:buNone/>
+            </a:pPr>
+            <a:r>
+              <a:rPr lang="en-US" sz="1700" dirty="0" smtClean="0"/>
+              <a:t>	Used by data analysists</a:t>
+            </a:r>
+          </a:p>
+          <a:p>
+            <a:pPr marL="0" indent="0">
+              <a:buFont typeface="Wingdings 3" charset="2"/>
+              <a:buNone/>
+            </a:pPr>
+            <a:endParaRPr lang="en-US" sz="1700" dirty="0"/>
+          </a:p>
+          <a:p>
+            <a:pPr marL="0" indent="0">
+              <a:buFont typeface="Wingdings 3" charset="2"/>
+              <a:buNone/>
+            </a:pPr>
+            <a:r>
+              <a:rPr lang="en-US" sz="1700" dirty="0"/>
+              <a:t>	</a:t>
+            </a:r>
+            <a:r>
+              <a:rPr lang="en-US" sz="1700" dirty="0" smtClean="0"/>
+              <a:t>Close to SQL can be 	learned faster</a:t>
+            </a:r>
+            <a:endParaRPr lang="en-US" sz="1700" dirty="0"/>
+          </a:p>
+        </p:txBody>
+      </p:sp>
+    </p:spTree>
+    <p:extLst>
+      <p:ext uri="{BB962C8B-B14F-4D97-AF65-F5344CB8AC3E}">
+        <p14:creationId xmlns:p14="http://schemas.microsoft.com/office/powerpoint/2010/main" val="510583328"/>
+      </p:ext>
+    </p:extLst>
+  </p:cSld>
+  <p:clrMapOvr>
+    <a:masterClrMapping/>
+  </p:clrMapOvr>
+  <p:timing>
+    <p:tnLst>
+      <p:par>
+        <p:cTn id="1" dur="indefinite" restart="never" nodeType="tmRoot"/>
+      </p:par>
+    </p:tnLst>
+  </p:timing>
+</p:sld>
+</file>
+
+<file path=ppt/slides/slide22.xml><?xml version="1.0" encoding="utf-8"?>
 <p:sld xmlns:a="http://schemas.openxmlformats.org/drawingml/2006/main" xmlns:r="http://schemas.openxmlformats.org/officeDocument/2006/relationships" xmlns:p="http://schemas.openxmlformats.org/presentationml/2006/main">
   <p:cSld>
     <p:spTree>
@@ -9644,10 +10222,17 @@
   <p:clrMapOvr>
     <a:masterClrMapping/>
   </p:clrMapOvr>
+  <p:timing>
+    <p:tnLst>
+      <p:par>
+        <p:cTn id="1" dur="indefinite" restart="never" nodeType="tmRoot"/>
+      </p:par>
+    </p:tnLst>
+  </p:timing>
 </p:sld>
 </file>
 
-<file path=ppt/slides/slide22.xml><?xml version="1.0" encoding="utf-8"?>
+<file path=ppt/slides/slide23.xml><?xml version="1.0" encoding="utf-8"?>
 <p:sld xmlns:a="http://schemas.openxmlformats.org/drawingml/2006/main" xmlns:r="http://schemas.openxmlformats.org/officeDocument/2006/relationships" xmlns:p="http://schemas.openxmlformats.org/presentationml/2006/main">
   <p:cSld>
     <p:spTree>
@@ -9835,10 +10420,17 @@
   <p:clrMapOvr>
     <a:masterClrMapping/>
   </p:clrMapOvr>
+  <p:timing>
+    <p:tnLst>
+      <p:par>
+        <p:cTn id="1" dur="indefinite" restart="never" nodeType="tmRoot"/>
+      </p:par>
+    </p:tnLst>
+  </p:timing>
 </p:sld>
 </file>
 
-<file path=ppt/slides/slide23.xml><?xml version="1.0" encoding="utf-8"?>
+<file path=ppt/slides/slide24.xml><?xml version="1.0" encoding="utf-8"?>
 <p:sld xmlns:a="http://schemas.openxmlformats.org/drawingml/2006/main" xmlns:r="http://schemas.openxmlformats.org/officeDocument/2006/relationships" xmlns:p="http://schemas.openxmlformats.org/presentationml/2006/main">
   <p:cSld>
     <p:spTree>
@@ -9913,10 +10505,17 @@
   <p:clrMapOvr>
     <a:masterClrMapping/>
   </p:clrMapOvr>
+  <p:timing>
+    <p:tnLst>
+      <p:par>
+        <p:cTn id="1" dur="indefinite" restart="never" nodeType="tmRoot"/>
+      </p:par>
+    </p:tnLst>
+  </p:timing>
 </p:sld>
 </file>
 
-<file path=ppt/slides/slide24.xml><?xml version="1.0" encoding="utf-8"?>
+<file path=ppt/slides/slide25.xml><?xml version="1.0" encoding="utf-8"?>
 <p:sld xmlns:a="http://schemas.openxmlformats.org/drawingml/2006/main" xmlns:r="http://schemas.openxmlformats.org/officeDocument/2006/relationships" xmlns:p="http://schemas.openxmlformats.org/presentationml/2006/main">
   <p:cSld>
     <p:spTree>
@@ -9991,10 +10590,17 @@
   <p:clrMapOvr>
     <a:masterClrMapping/>
   </p:clrMapOvr>
+  <p:timing>
+    <p:tnLst>
+      <p:par>
+        <p:cTn id="1" dur="indefinite" restart="never" nodeType="tmRoot"/>
+      </p:par>
+    </p:tnLst>
+  </p:timing>
 </p:sld>
 </file>
 
-<file path=ppt/slides/slide25.xml><?xml version="1.0" encoding="utf-8"?>
+<file path=ppt/slides/slide26.xml><?xml version="1.0" encoding="utf-8"?>
 <p:sld xmlns:a="http://schemas.openxmlformats.org/drawingml/2006/main" xmlns:r="http://schemas.openxmlformats.org/officeDocument/2006/relationships" xmlns:p="http://schemas.openxmlformats.org/presentationml/2006/main">
   <p:cSld>
     <p:spTree>
@@ -10069,10 +10675,17 @@
   <p:clrMapOvr>
     <a:masterClrMapping/>
   </p:clrMapOvr>
+  <p:timing>
+    <p:tnLst>
+      <p:par>
+        <p:cTn id="1" dur="indefinite" restart="never" nodeType="tmRoot"/>
+      </p:par>
+    </p:tnLst>
+  </p:timing>
 </p:sld>
 </file>
 
-<file path=ppt/slides/slide26.xml><?xml version="1.0" encoding="utf-8"?>
+<file path=ppt/slides/slide27.xml><?xml version="1.0" encoding="utf-8"?>
 <p:sld xmlns:a="http://schemas.openxmlformats.org/drawingml/2006/main" xmlns:r="http://schemas.openxmlformats.org/officeDocument/2006/relationships" xmlns:p="http://schemas.openxmlformats.org/presentationml/2006/main">
   <p:cSld>
     <p:spTree>
@@ -10147,10 +10760,17 @@
   <p:clrMapOvr>
     <a:masterClrMapping/>
   </p:clrMapOvr>
+  <p:timing>
+    <p:tnLst>
+      <p:par>
+        <p:cTn id="1" dur="indefinite" restart="never" nodeType="tmRoot"/>
+      </p:par>
+    </p:tnLst>
+  </p:timing>
 </p:sld>
 </file>
 
-<file path=ppt/slides/slide27.xml><?xml version="1.0" encoding="utf-8"?>
+<file path=ppt/slides/slide28.xml><?xml version="1.0" encoding="utf-8"?>
 <p:sld xmlns:a="http://schemas.openxmlformats.org/drawingml/2006/main" xmlns:r="http://schemas.openxmlformats.org/officeDocument/2006/relationships" xmlns:p="http://schemas.openxmlformats.org/presentationml/2006/main">
   <p:cSld>
     <p:spTree>
@@ -10225,10 +10845,17 @@
   <p:clrMapOvr>
     <a:masterClrMapping/>
   </p:clrMapOvr>
+  <p:timing>
+    <p:tnLst>
+      <p:par>
+        <p:cTn id="1" dur="indefinite" restart="never" nodeType="tmRoot"/>
+      </p:par>
+    </p:tnLst>
+  </p:timing>
 </p:sld>
 </file>
 
-<file path=ppt/slides/slide28.xml><?xml version="1.0" encoding="utf-8"?>
+<file path=ppt/slides/slide29.xml><?xml version="1.0" encoding="utf-8"?>
 <p:sld xmlns:a="http://schemas.openxmlformats.org/drawingml/2006/main" xmlns:r="http://schemas.openxmlformats.org/officeDocument/2006/relationships" xmlns:p="http://schemas.openxmlformats.org/presentationml/2006/main">
   <p:cSld>
     <p:spTree>
@@ -10306,7 +10933,151 @@
 </p:sld>
 </file>
 
-<file path=ppt/slides/slide29.xml><?xml version="1.0" encoding="utf-8"?>
+<file path=ppt/slides/slide3.xml><?xml version="1.0" encoding="utf-8"?>
+<p:sld xmlns:a="http://schemas.openxmlformats.org/drawingml/2006/main" xmlns:r="http://schemas.openxmlformats.org/officeDocument/2006/relationships" xmlns:p="http://schemas.openxmlformats.org/presentationml/2006/main">
+  <p:cSld>
+    <p:spTree>
+      <p:nvGrpSpPr>
+        <p:cNvPr id="1" name=""/>
+        <p:cNvGrpSpPr/>
+        <p:nvPr/>
+      </p:nvGrpSpPr>
+      <p:grpSpPr>
+        <a:xfrm>
+          <a:off x="0" y="0"/>
+          <a:ext cx="0" cy="0"/>
+          <a:chOff x="0" y="0"/>
+          <a:chExt cx="0" cy="0"/>
+        </a:xfrm>
+      </p:grpSpPr>
+      <p:sp>
+        <p:nvSpPr>
+          <p:cNvPr id="2" name="Title 1"/>
+          <p:cNvSpPr>
+            <a:spLocks noGrp="1"/>
+          </p:cNvSpPr>
+          <p:nvPr>
+            <p:ph type="title"/>
+          </p:nvPr>
+        </p:nvSpPr>
+        <p:spPr/>
+        <p:txBody>
+          <a:bodyPr>
+            <a:normAutofit fontScale="90000"/>
+          </a:bodyPr>
+          <a:lstStyle/>
+          <a:p>
+            <a:r>
+              <a:rPr lang="en-US" sz="2800" dirty="0" smtClean="0"/>
+              <a:t/>
+            </a:r>
+            <a:br>
+              <a:rPr lang="en-US" sz="2800" dirty="0" smtClean="0"/>
+            </a:br>
+            <a:r>
+              <a:rPr lang="en-US" sz="2800" dirty="0" smtClean="0"/>
+              <a:t/>
+            </a:r>
+            <a:br>
+              <a:rPr lang="en-US" sz="2800" dirty="0" smtClean="0"/>
+            </a:br>
+            <a:r>
+              <a:rPr lang="en-US" sz="2800" dirty="0" smtClean="0"/>
+              <a:t>Area effected by parallel processing:</a:t>
+            </a:r>
+            <a:endParaRPr lang="en-US" sz="2800" dirty="0"/>
+          </a:p>
+        </p:txBody>
+      </p:sp>
+      <p:sp>
+        <p:nvSpPr>
+          <p:cNvPr id="3" name="Content Placeholder 2"/>
+          <p:cNvSpPr>
+            <a:spLocks noGrp="1"/>
+          </p:cNvSpPr>
+          <p:nvPr>
+            <p:ph idx="1"/>
+          </p:nvPr>
+        </p:nvSpPr>
+        <p:spPr>
+          <a:xfrm>
+            <a:off x="2589212" y="2262390"/>
+            <a:ext cx="8915400" cy="3777622"/>
+          </a:xfrm>
+        </p:spPr>
+        <p:txBody>
+          <a:bodyPr/>
+          <a:lstStyle/>
+          <a:p>
+            <a:r>
+              <a:rPr lang="en-US" dirty="0" smtClean="0"/>
+              <a:t>Since </a:t>
+            </a:r>
+            <a:r>
+              <a:rPr lang="en-US" dirty="0" smtClean="0"/>
+              <a:t>we have a </a:t>
+            </a:r>
+            <a:r>
+              <a:rPr lang="en-US" dirty="0" smtClean="0"/>
+              <a:t>big data need to </a:t>
+            </a:r>
+            <a:r>
+              <a:rPr lang="en-US" dirty="0" smtClean="0"/>
+              <a:t>process it </a:t>
+            </a:r>
+            <a:r>
+              <a:rPr lang="en-US" dirty="0" smtClean="0"/>
+              <a:t>in parallel</a:t>
+            </a:r>
+          </a:p>
+          <a:p>
+            <a:r>
+              <a:rPr lang="en-US" dirty="0" smtClean="0"/>
+              <a:t>Datamining such as tweets analysists</a:t>
+            </a:r>
+          </a:p>
+          <a:p>
+            <a:r>
+              <a:rPr lang="en-US" dirty="0" smtClean="0"/>
+              <a:t>Image processing training set </a:t>
+            </a:r>
+          </a:p>
+          <a:p>
+            <a:r>
+              <a:rPr lang="en-US" dirty="0" smtClean="0"/>
+              <a:t>Algorithm </a:t>
+            </a:r>
+          </a:p>
+          <a:p>
+            <a:r>
+              <a:rPr lang="en-US" dirty="0" smtClean="0"/>
+              <a:t>Networking </a:t>
+            </a:r>
+            <a:endParaRPr lang="en-US" dirty="0"/>
+          </a:p>
+        </p:txBody>
+      </p:sp>
+    </p:spTree>
+    <p:extLst>
+      <p:ext uri="{BB962C8B-B14F-4D97-AF65-F5344CB8AC3E}">
+        <p14:creationId xmlns:p14="http://schemas.microsoft.com/office/powerpoint/2010/main" val="3347744159"/>
+      </p:ext>
+    </p:extLst>
+  </p:cSld>
+  <p:clrMapOvr>
+    <a:masterClrMapping/>
+  </p:clrMapOvr>
+  <p:timing>
+    <p:tnLst>
+      <p:par>
+        <p:cTn id="1" dur="indefinite" restart="never" nodeType="tmRoot"/>
+      </p:par>
+    </p:tnLst>
+  </p:timing>
+</p:sld>
+</file>
+
+<file path=ppt/slides/slide30.xml><?xml version="1.0" encoding="utf-8"?>
 <p:sld xmlns:a="http://schemas.openxmlformats.org/drawingml/2006/main" xmlns:r="http://schemas.openxmlformats.org/officeDocument/2006/relationships" xmlns:p="http://schemas.openxmlformats.org/presentationml/2006/main">
   <p:cSld>
     <p:spTree>
@@ -10384,128 +11155,7 @@
 </p:sld>
 </file>
 
-<file path=ppt/slides/slide3.xml><?xml version="1.0" encoding="utf-8"?>
-<p:sld xmlns:a="http://schemas.openxmlformats.org/drawingml/2006/main" xmlns:r="http://schemas.openxmlformats.org/officeDocument/2006/relationships" xmlns:p="http://schemas.openxmlformats.org/presentationml/2006/main">
-  <p:cSld>
-    <p:spTree>
-      <p:nvGrpSpPr>
-        <p:cNvPr id="1" name=""/>
-        <p:cNvGrpSpPr/>
-        <p:nvPr/>
-      </p:nvGrpSpPr>
-      <p:grpSpPr>
-        <a:xfrm>
-          <a:off x="0" y="0"/>
-          <a:ext cx="0" cy="0"/>
-          <a:chOff x="0" y="0"/>
-          <a:chExt cx="0" cy="0"/>
-        </a:xfrm>
-      </p:grpSpPr>
-      <p:sp>
-        <p:nvSpPr>
-          <p:cNvPr id="2" name="Title 1"/>
-          <p:cNvSpPr>
-            <a:spLocks noGrp="1"/>
-          </p:cNvSpPr>
-          <p:nvPr>
-            <p:ph type="title"/>
-          </p:nvPr>
-        </p:nvSpPr>
-        <p:spPr/>
-        <p:txBody>
-          <a:bodyPr>
-            <a:normAutofit fontScale="90000"/>
-          </a:bodyPr>
-          <a:lstStyle/>
-          <a:p>
-            <a:r>
-              <a:rPr lang="en-US" sz="2800" dirty="0" smtClean="0"/>
-              <a:t/>
-            </a:r>
-            <a:br>
-              <a:rPr lang="en-US" sz="2800" dirty="0" smtClean="0"/>
-            </a:br>
-            <a:r>
-              <a:rPr lang="en-US" sz="2800" dirty="0" smtClean="0"/>
-              <a:t/>
-            </a:r>
-            <a:br>
-              <a:rPr lang="en-US" sz="2800" dirty="0" smtClean="0"/>
-            </a:br>
-            <a:r>
-              <a:rPr lang="en-US" sz="2800" dirty="0" smtClean="0"/>
-              <a:t>Area effected by parallel processing:</a:t>
-            </a:r>
-            <a:endParaRPr lang="en-US" sz="2800" dirty="0"/>
-          </a:p>
-        </p:txBody>
-      </p:sp>
-      <p:sp>
-        <p:nvSpPr>
-          <p:cNvPr id="3" name="Content Placeholder 2"/>
-          <p:cNvSpPr>
-            <a:spLocks noGrp="1"/>
-          </p:cNvSpPr>
-          <p:nvPr>
-            <p:ph idx="1"/>
-          </p:nvPr>
-        </p:nvSpPr>
-        <p:spPr>
-          <a:xfrm>
-            <a:off x="2589212" y="2262390"/>
-            <a:ext cx="8915400" cy="3777622"/>
-          </a:xfrm>
-        </p:spPr>
-        <p:txBody>
-          <a:bodyPr/>
-          <a:lstStyle/>
-          <a:p>
-            <a:r>
-              <a:rPr lang="en-US" dirty="0" smtClean="0"/>
-              <a:t>Since having big data need to process in parallel</a:t>
-            </a:r>
-          </a:p>
-          <a:p>
-            <a:r>
-              <a:rPr lang="en-US" dirty="0" smtClean="0"/>
-              <a:t>Datamining such as tweets analysists</a:t>
-            </a:r>
-          </a:p>
-          <a:p>
-            <a:r>
-              <a:rPr lang="en-US" dirty="0" smtClean="0"/>
-              <a:t>Image processing training set </a:t>
-            </a:r>
-          </a:p>
-          <a:p>
-            <a:r>
-              <a:rPr lang="en-US" dirty="0" smtClean="0"/>
-              <a:t>Algorithm </a:t>
-            </a:r>
-          </a:p>
-          <a:p>
-            <a:r>
-              <a:rPr lang="en-US" dirty="0" smtClean="0"/>
-              <a:t>Networking </a:t>
-            </a:r>
-            <a:endParaRPr lang="en-US" dirty="0"/>
-          </a:p>
-        </p:txBody>
-      </p:sp>
-    </p:spTree>
-    <p:extLst>
-      <p:ext uri="{BB962C8B-B14F-4D97-AF65-F5344CB8AC3E}">
-        <p14:creationId xmlns:p14="http://schemas.microsoft.com/office/powerpoint/2010/main" val="3347744159"/>
-      </p:ext>
-    </p:extLst>
-  </p:cSld>
-  <p:clrMapOvr>
-    <a:masterClrMapping/>
-  </p:clrMapOvr>
-</p:sld>
-</file>
-
-<file path=ppt/slides/slide30.xml><?xml version="1.0" encoding="utf-8"?>
+<file path=ppt/slides/slide31.xml><?xml version="1.0" encoding="utf-8"?>
 <p:sld xmlns:a="http://schemas.openxmlformats.org/drawingml/2006/main" xmlns:r="http://schemas.openxmlformats.org/officeDocument/2006/relationships" xmlns:p="http://schemas.openxmlformats.org/presentationml/2006/main">
   <p:cSld>
     <p:spTree>
@@ -10583,7 +11233,7 @@
 </p:sld>
 </file>
 
-<file path=ppt/slides/slide31.xml><?xml version="1.0" encoding="utf-8"?>
+<file path=ppt/slides/slide32.xml><?xml version="1.0" encoding="utf-8"?>
 <p:sld xmlns:a="http://schemas.openxmlformats.org/drawingml/2006/main" xmlns:r="http://schemas.openxmlformats.org/officeDocument/2006/relationships" xmlns:p="http://schemas.openxmlformats.org/presentationml/2006/main">
   <p:cSld>
     <p:spTree>
@@ -10702,7 +11352,11 @@
             </a:br>
             <a:r>
               <a:rPr lang="en-US" dirty="0" smtClean="0"/>
-              <a:t>Map Reduce Optimization: </a:t>
+              <a:t>Map Reduce </a:t>
+            </a:r>
+            <a:r>
+              <a:rPr lang="en-US" dirty="0" smtClean="0"/>
+              <a:t>Optimization: </a:t>
             </a:r>
             <a:endParaRPr lang="en-US" dirty="0"/>
           </a:p>
@@ -10759,6 +11413,13 @@
             </a:r>
           </a:p>
           <a:p>
+            <a:pPr marL="0" indent="0">
+              <a:buNone/>
+            </a:pPr>
+            <a:r>
+              <a:rPr lang="en-US" dirty="0" smtClean="0"/>
+              <a:t>Tweet example </a:t>
+            </a:r>
             <a:endParaRPr lang="en-US" dirty="0"/>
           </a:p>
         </p:txBody>
@@ -10773,6 +11434,13 @@
   <p:clrMapOvr>
     <a:masterClrMapping/>
   </p:clrMapOvr>
+  <p:timing>
+    <p:tnLst>
+      <p:par>
+        <p:cTn id="1" dur="indefinite" restart="never" nodeType="tmRoot"/>
+      </p:par>
+    </p:tnLst>
+  </p:timing>
 </p:sld>
 </file>
 
@@ -10859,8 +11527,21 @@
             </a:r>
             <a:r>
               <a:rPr lang="en-US" sz="2000" dirty="0" smtClean="0"/>
-              <a:t>How much can compress and how it does effect the 					   processing. </a:t>
-            </a:r>
+              <a:t>How much can compress and how it does effect the 					   processing</a:t>
+            </a:r>
+            <a:r>
+              <a:rPr lang="en-US" sz="2000" dirty="0" smtClean="0"/>
+              <a:t>. </a:t>
+            </a:r>
+            <a:r>
+              <a:rPr lang="en-US" sz="2000" dirty="0" smtClean="0"/>
+              <a:t>Text Transfer example.</a:t>
+            </a:r>
+            <a:r>
+              <a:rPr lang="en-US" sz="2000" dirty="0" smtClean="0"/>
+              <a:t> </a:t>
+            </a:r>
+            <a:endParaRPr lang="en-US" sz="2000" dirty="0" smtClean="0"/>
           </a:p>
           <a:p>
             <a:r>
@@ -10887,6 +11568,13 @@
   <p:clrMapOvr>
     <a:masterClrMapping/>
   </p:clrMapOvr>
+  <p:timing>
+    <p:tnLst>
+      <p:par>
+        <p:cTn id="1" dur="indefinite" restart="never" nodeType="tmRoot"/>
+      </p:par>
+    </p:tnLst>
+  </p:timing>
 </p:sld>
 </file>
 
@@ -11007,6 +11695,13 @@
   <p:clrMapOvr>
     <a:masterClrMapping/>
   </p:clrMapOvr>
+  <p:timing>
+    <p:tnLst>
+      <p:par>
+        <p:cTn id="1" dur="indefinite" restart="never" nodeType="tmRoot"/>
+      </p:par>
+    </p:tnLst>
+  </p:timing>
 </p:sld>
 </file>
 
@@ -11037,7 +11732,12 @@
             <p:ph type="title"/>
           </p:nvPr>
         </p:nvSpPr>
-        <p:spPr/>
+        <p:spPr>
+          <a:xfrm>
+            <a:off x="2592925" y="894569"/>
+            <a:ext cx="8911687" cy="1280890"/>
+          </a:xfrm>
+        </p:spPr>
         <p:txBody>
           <a:bodyPr/>
           <a:lstStyle/>
@@ -11067,7 +11767,12 @@
             <p:ph idx="1"/>
           </p:nvPr>
         </p:nvSpPr>
-        <p:spPr/>
+        <p:spPr>
+          <a:xfrm>
+            <a:off x="2589212" y="2532849"/>
+            <a:ext cx="8915400" cy="3777622"/>
+          </a:xfrm>
+        </p:spPr>
         <p:txBody>
           <a:bodyPr/>
           <a:lstStyle/>
@@ -11104,6 +11809,13 @@
   <p:clrMapOvr>
     <a:masterClrMapping/>
   </p:clrMapOvr>
+  <p:timing>
+    <p:tnLst>
+      <p:par>
+        <p:cTn id="1" dur="indefinite" restart="never" nodeType="tmRoot"/>
+      </p:par>
+    </p:tnLst>
+  </p:timing>
 </p:sld>
 </file>
 
@@ -11270,6 +11982,13 @@
   <p:clrMapOvr>
     <a:masterClrMapping/>
   </p:clrMapOvr>
+  <p:timing>
+    <p:tnLst>
+      <p:par>
+        <p:cTn id="1" dur="indefinite" restart="never" nodeType="tmRoot"/>
+      </p:par>
+    </p:tnLst>
+  </p:timing>
 </p:sld>
 </file>
 
@@ -11392,6 +12111,13 @@
   <p:clrMapOvr>
     <a:masterClrMapping/>
   </p:clrMapOvr>
+  <p:timing>
+    <p:tnLst>
+      <p:par>
+        <p:cTn id="1" dur="indefinite" restart="never" nodeType="tmRoot"/>
+      </p:par>
+    </p:tnLst>
+  </p:timing>
 </p:sld>
 </file>
 
